--- a/report/10-7-Кравченко-Егор-презентация.pptx
+++ b/report/10-7-Кравченко-Егор-презентация.pptx
@@ -7678,7 +7678,7 @@
           <a:p>
             <a:r>
               <a:rPr lang="ru-RU" altLang="en-US"/>
-              <a:t>Множество прямоугольников</a:t>
+              <a:t>Треугольник и точки</a:t>
             </a:r>
             <a:endParaRPr lang="ru-RU" altLang="en-US"/>
           </a:p>
@@ -7692,8 +7692,8 @@
         </p:nvSpPr>
         <p:spPr>
           <a:xfrm>
-            <a:off x="4711700" y="3083560"/>
-            <a:ext cx="2768600" cy="1371600"/>
+            <a:off x="4711700" y="2030730"/>
+            <a:ext cx="2768600" cy="2752090"/>
           </a:xfrm>
           <a:prstGeom prst="rect">
             <a:avLst/>
@@ -7749,8 +7749,8 @@
         </p:nvSpPr>
         <p:spPr>
           <a:xfrm>
-            <a:off x="4915535" y="3446780"/>
-            <a:ext cx="2360295" cy="645160"/>
+            <a:off x="4760595" y="2449830"/>
+            <a:ext cx="2671445" cy="1753235"/>
           </a:xfrm>
           <a:prstGeom prst="rect">
             <a:avLst/>
@@ -7764,7 +7764,15 @@
           <a:p>
             <a:r>
               <a:rPr lang="ru-RU" altLang="en-US"/>
-              <a:t>Ищем пересечения, перебирая пары </a:t>
+              <a:t>Для каждой пары точек создаём прямую и пересекаем её с треугольником. Ищем длину </a:t>
+            </a:r>
+            <a:r>
+              <a:rPr lang="en-US" altLang="en-US"/>
+              <a:t>D </a:t>
+            </a:r>
+            <a:r>
+              <a:rPr lang="ru-RU" altLang="en-US"/>
+              <a:t>отрезка внутри треугольника</a:t>
             </a:r>
             <a:endParaRPr lang="ru-RU" altLang="en-US"/>
           </a:p>
@@ -7780,9 +7788,9 @@
           <p:nvPr/>
         </p:nvCxnSpPr>
         <p:spPr>
-          <a:xfrm>
-            <a:off x="3329940" y="3769360"/>
-            <a:ext cx="1381760" cy="0"/>
+          <a:xfrm flipV="1">
+            <a:off x="3329940" y="3406775"/>
+            <a:ext cx="1381760" cy="362585"/>
           </a:xfrm>
           <a:prstGeom prst="straightConnector1">
             <a:avLst/>
@@ -7893,7 +7901,7 @@
             </a:r>
             <a:r>
               <a:rPr lang="en-US" altLang="en-US"/>
-              <a:t>D &gt; mx,</a:t>
+              <a:t>D &gt; max,</a:t>
             </a:r>
             <a:endParaRPr lang="en-US" altLang="en-US"/>
           </a:p>
@@ -7904,7 +7912,7 @@
             </a:r>
             <a:r>
               <a:rPr lang="en-US" altLang="en-US"/>
-              <a:t>mx = D.</a:t>
+              <a:t>max = D.</a:t>
             </a:r>
             <a:endParaRPr lang="en-US" altLang="en-US"/>
           </a:p>
@@ -7928,8 +7936,8 @@
         </p:nvCxnSpPr>
         <p:spPr>
           <a:xfrm>
-            <a:off x="7480300" y="3769360"/>
-            <a:ext cx="1285240" cy="0"/>
+            <a:off x="7480300" y="3406775"/>
+            <a:ext cx="1285240" cy="362585"/>
           </a:xfrm>
           <a:prstGeom prst="straightConnector1">
             <a:avLst/>
@@ -7956,6 +7964,42 @@
           </a:ln>
         </p:spPr>
       </p:cxnSp>
+      <p:sp>
+        <p:nvSpPr>
+          <p:cNvPr id="3" name="Текстовое поле 2"/>
+          <p:cNvSpPr txBox="1"/>
+          <p:nvPr/>
+        </p:nvSpPr>
+        <p:spPr>
+          <a:xfrm>
+            <a:off x="561340" y="2030730"/>
+            <a:ext cx="2577465" cy="922020"/>
+          </a:xfrm>
+          <a:prstGeom prst="rect">
+            <a:avLst/>
+          </a:prstGeom>
+          <a:noFill/>
+        </p:spPr>
+        <p:txBody>
+          <a:bodyPr wrap="square" rtlCol="0">
+            <a:spAutoFit/>
+          </a:bodyPr>
+          <a:p>
+            <a:r>
+              <a:rPr lang="en-US" altLang="en-US"/>
+              <a:t>max = 0</a:t>
+            </a:r>
+            <a:br>
+              <a:rPr lang="ru-RU" altLang="en-US"/>
+            </a:br>
+            <a:r>
+              <a:rPr lang="ru-RU" altLang="en-US"/>
+              <a:t>максимальную длину отрезка обнуляем</a:t>
+            </a:r>
+            <a:endParaRPr lang="ru-RU" altLang="en-US"/>
+          </a:p>
+        </p:txBody>
+      </p:sp>
     </p:spTree>
   </p:cSld>
   <p:clrMapOvr>
